--- a/An Introduction to TypeScript.pptx
+++ b/An Introduction to TypeScript.pptx
@@ -10599,7 +10599,7 @@
         </p:spPr>
         <p:txBody>
           <a:bodyPr anchor="ctr">
-            <a:normAutofit fontScale="85000" lnSpcReduction="20000"/>
+            <a:normAutofit fontScale="70000" lnSpcReduction="20000"/>
           </a:bodyPr>
           <a:lstStyle/>
           <a:p>
@@ -10633,7 +10633,7 @@
             </a:pPr>
             <a:r>
               <a:rPr lang="en-US" sz="6400" dirty="0"/>
-              <a:t>https://docs.com/jason-bock/3584/</a:t>
+              <a:t>https://github.com/JasonBock/</a:t>
             </a:r>
           </a:p>
           <a:p>
@@ -10642,7 +10642,16 @@
             </a:pPr>
             <a:r>
               <a:rPr lang="en-US" sz="6400" dirty="0"/>
-              <a:t>an-introduction-to-typescript</a:t>
+              <a:t>Presentations/blob/master/</a:t>
+            </a:r>
+          </a:p>
+          <a:p>
+            <a:pPr marL="0" indent="0" algn="ctr">
+              <a:buNone/>
+            </a:pPr>
+            <a:r>
+              <a:rPr lang="en-US" sz="6400" dirty="0"/>
+              <a:t>An%20Introduction%20to%20TypeScript.pptx</a:t>
             </a:r>
           </a:p>
         </p:txBody>
@@ -11026,8 +11035,8 @@
         </p:nvSpPr>
         <p:spPr>
           <a:xfrm>
-            <a:off x="2268322" y="4354512"/>
-            <a:ext cx="6643917" cy="1263107"/>
+            <a:off x="2268323" y="4354512"/>
+            <a:ext cx="6276238" cy="1263107"/>
           </a:xfrm>
           <a:prstGeom prst="rect">
             <a:avLst/>
@@ -11052,7 +11061,7 @@
             </a:pPr>
             <a:r>
               <a:rPr lang="en-US" dirty="0"/>
-              <a:t>https://github.com/JasonBock/IntroToTypeScript</a:t>
+              <a:t>https://github.com/jasonbock/IntroToTypeScript</a:t>
             </a:r>
           </a:p>
           <a:p>
@@ -11062,17 +11071,7 @@
             </a:pPr>
             <a:r>
               <a:rPr lang="en-US" dirty="0"/>
-              <a:t>https://docs.com/jason-bock/3584/</a:t>
-            </a:r>
-          </a:p>
-          <a:p>
-            <a:pPr marL="285750" indent="-285750">
-              <a:buFont typeface="Arial" panose="020B0604020202020204" pitchFamily="34" charset="0"/>
-              <a:buChar char="•"/>
-            </a:pPr>
-            <a:r>
-              <a:rPr lang="en-US" dirty="0"/>
-              <a:t>an-introduction-to-typescript</a:t>
+              <a:t>https://github.com/JasonBock/Presentations/blob/master/An%20Introduction%20to%20TypeScript.pptx</a:t>
             </a:r>
           </a:p>
           <a:p>
@@ -11195,8 +11194,8 @@
         </p:nvSpPr>
         <p:spPr>
           <a:xfrm>
-            <a:off x="4165600" y="2687319"/>
-            <a:ext cx="7620000" cy="2798764"/>
+            <a:off x="4338320" y="3210560"/>
+            <a:ext cx="7620000" cy="2742285"/>
           </a:xfrm>
           <a:prstGeom prst="rect">
             <a:avLst/>
@@ -11204,7 +11203,7 @@
         </p:spPr>
         <p:txBody>
           <a:bodyPr vert="horz" lIns="121920" tIns="60960" rIns="121920" bIns="60960" rtlCol="0" anchor="ctr">
-            <a:normAutofit fontScale="85000" lnSpcReduction="20000"/>
+            <a:normAutofit fontScale="70000" lnSpcReduction="20000"/>
           </a:bodyPr>
           <a:lstStyle>
             <a:lvl1pPr marL="342900" indent="-342900" algn="l" defTabSz="914400" rtl="0" eaLnBrk="1" latinLnBrk="0" hangingPunct="1">
@@ -11417,7 +11416,7 @@
                   <a:schemeClr val="tx1"/>
                 </a:solidFill>
               </a:rPr>
-              <a:t>https://docs.com/jason-bock/3584/</a:t>
+              <a:t>https://github.com/JasonBock/</a:t>
             </a:r>
           </a:p>
           <a:p>
@@ -11430,8 +11429,31 @@
                   <a:schemeClr val="tx1"/>
                 </a:solidFill>
               </a:rPr>
-              <a:t>an-introduction-to-typescript</a:t>
-            </a:r>
+              <a:t>Presentations/blob/master/</a:t>
+            </a:r>
+          </a:p>
+          <a:p>
+            <a:pPr marL="0" indent="0" algn="ctr">
+              <a:buNone/>
+            </a:pPr>
+            <a:r>
+              <a:rPr lang="en-US" sz="2933" dirty="0">
+                <a:solidFill>
+                  <a:schemeClr val="tx1"/>
+                </a:solidFill>
+              </a:rPr>
+              <a:t>An%20Introduction%20to%20TypeScript.pptx</a:t>
+            </a:r>
+          </a:p>
+          <a:p>
+            <a:pPr marL="0" indent="0" algn="ctr">
+              <a:buNone/>
+            </a:pPr>
+            <a:endParaRPr lang="en-US" sz="2933" dirty="0">
+              <a:solidFill>
+                <a:schemeClr val="tx1"/>
+              </a:solidFill>
+            </a:endParaRPr>
           </a:p>
         </p:txBody>
       </p:sp>
@@ -12815,12 +12837,16 @@
 </file>
 
 <file path=customXml/item1.xml><?xml version="1.0" encoding="utf-8"?>
-<?mso-contentType ?>
-<FormTemplates xmlns="http://schemas.microsoft.com/sharepoint/v3/contenttype/forms">
-  <Display>DocumentLibraryForm</Display>
-  <Edit>DocumentLibraryForm</Edit>
-  <New>DocumentLibraryForm</New>
-</FormTemplates>
+<p:properties xmlns:p="http://schemas.microsoft.com/office/2006/metadata/properties" xmlns:xsi="http://www.w3.org/2001/XMLSchema-instance" xmlns:pc="http://schemas.microsoft.com/office/infopath/2007/PartnerControls">
+  <documentManagement>
+    <Company xmlns="f0d6b4bb-fd12-4740-8884-687737dcca9a">Magenic</Company>
+    <Tech_x0020_Used xmlns="f0d6b4bb-fd12-4740-8884-687737dcca9a"/>
+    <Document_x0020_Type xmlns="f0d6b4bb-fd12-4740-8884-687737dcca9a">
+      <Value>Template</Value>
+    </Document_x0020_Type>
+    <Industry_x002f_Vertical xmlns="f0d6b4bb-fd12-4740-8884-687737dcca9a" xsi:nil="true"/>
+  </documentManagement>
+</p:properties>
 </file>
 
 <file path=customXml/item2.xml><?xml version="1.0" encoding="utf-8"?>
@@ -13022,22 +13048,26 @@
 </file>
 
 <file path=customXml/item3.xml><?xml version="1.0" encoding="utf-8"?>
-<p:properties xmlns:p="http://schemas.microsoft.com/office/2006/metadata/properties" xmlns:xsi="http://www.w3.org/2001/XMLSchema-instance" xmlns:pc="http://schemas.microsoft.com/office/infopath/2007/PartnerControls">
-  <documentManagement>
-    <Company xmlns="f0d6b4bb-fd12-4740-8884-687737dcca9a">Magenic</Company>
-    <Tech_x0020_Used xmlns="f0d6b4bb-fd12-4740-8884-687737dcca9a"/>
-    <Document_x0020_Type xmlns="f0d6b4bb-fd12-4740-8884-687737dcca9a">
-      <Value>Template</Value>
-    </Document_x0020_Type>
-    <Industry_x002f_Vertical xmlns="f0d6b4bb-fd12-4740-8884-687737dcca9a" xsi:nil="true"/>
-  </documentManagement>
-</p:properties>
+<?mso-contentType ?>
+<FormTemplates xmlns="http://schemas.microsoft.com/sharepoint/v3/contenttype/forms">
+  <Display>DocumentLibraryForm</Display>
+  <Edit>DocumentLibraryForm</Edit>
+  <New>DocumentLibraryForm</New>
+</FormTemplates>
 </file>
 
 <file path=customXml/itemProps1.xml><?xml version="1.0" encoding="utf-8"?>
-<ds:datastoreItem xmlns:ds="http://schemas.openxmlformats.org/officeDocument/2006/customXml" ds:itemID="{D18D97D8-3C52-47EE-88EC-CF46155D7428}">
+<ds:datastoreItem xmlns:ds="http://schemas.openxmlformats.org/officeDocument/2006/customXml" ds:itemID="{65A3A91F-3324-4EE4-8BF2-C3B78E1D1674}">
   <ds:schemaRefs>
-    <ds:schemaRef ds:uri="http://schemas.microsoft.com/sharepoint/v3/contenttype/forms"/>
+    <ds:schemaRef ds:uri="http://purl.org/dc/terms/"/>
+    <ds:schemaRef ds:uri="http://schemas.openxmlformats.org/package/2006/metadata/core-properties"/>
+    <ds:schemaRef ds:uri="http://purl.org/dc/dcmitype/"/>
+    <ds:schemaRef ds:uri="http://schemas.microsoft.com/office/infopath/2007/PartnerControls"/>
+    <ds:schemaRef ds:uri="http://schemas.microsoft.com/office/2006/documentManagement/types"/>
+    <ds:schemaRef ds:uri="http://purl.org/dc/elements/1.1/"/>
+    <ds:schemaRef ds:uri="http://schemas.microsoft.com/office/2006/metadata/properties"/>
+    <ds:schemaRef ds:uri="f0d6b4bb-fd12-4740-8884-687737dcca9a"/>
+    <ds:schemaRef ds:uri="http://www.w3.org/XML/1998/namespace"/>
   </ds:schemaRefs>
 </ds:datastoreItem>
 </file>
@@ -13061,17 +13091,9 @@
 </file>
 
 <file path=customXml/itemProps3.xml><?xml version="1.0" encoding="utf-8"?>
-<ds:datastoreItem xmlns:ds="http://schemas.openxmlformats.org/officeDocument/2006/customXml" ds:itemID="{65A3A91F-3324-4EE4-8BF2-C3B78E1D1674}">
+<ds:datastoreItem xmlns:ds="http://schemas.openxmlformats.org/officeDocument/2006/customXml" ds:itemID="{D18D97D8-3C52-47EE-88EC-CF46155D7428}">
   <ds:schemaRefs>
-    <ds:schemaRef ds:uri="http://schemas.microsoft.com/office/2006/documentManagement/types"/>
-    <ds:schemaRef ds:uri="f0d6b4bb-fd12-4740-8884-687737dcca9a"/>
-    <ds:schemaRef ds:uri="http://purl.org/dc/elements/1.1/"/>
-    <ds:schemaRef ds:uri="http://schemas.microsoft.com/office/infopath/2007/PartnerControls"/>
-    <ds:schemaRef ds:uri="http://purl.org/dc/terms/"/>
-    <ds:schemaRef ds:uri="http://schemas.openxmlformats.org/package/2006/metadata/core-properties"/>
-    <ds:schemaRef ds:uri="http://schemas.microsoft.com/office/2006/metadata/properties"/>
-    <ds:schemaRef ds:uri="http://www.w3.org/XML/1998/namespace"/>
-    <ds:schemaRef ds:uri="http://purl.org/dc/dcmitype/"/>
+    <ds:schemaRef ds:uri="http://schemas.microsoft.com/sharepoint/v3/contenttype/forms"/>
   </ds:schemaRefs>
 </ds:datastoreItem>
 </file>